--- a/Iot.pptx
+++ b/Iot.pptx
@@ -7,19 +7,20 @@
   <p:sldIdLst>
     <p:sldId id="256" r:id="rId2"/>
     <p:sldId id="257" r:id="rId3"/>
-    <p:sldId id="258" r:id="rId4"/>
-    <p:sldId id="259" r:id="rId5"/>
-    <p:sldId id="260" r:id="rId6"/>
-    <p:sldId id="261" r:id="rId7"/>
-    <p:sldId id="262" r:id="rId8"/>
-    <p:sldId id="263" r:id="rId9"/>
-    <p:sldId id="264" r:id="rId10"/>
-    <p:sldId id="266" r:id="rId11"/>
-    <p:sldId id="267" r:id="rId12"/>
-    <p:sldId id="269" r:id="rId13"/>
-    <p:sldId id="270" r:id="rId14"/>
-    <p:sldId id="271" r:id="rId15"/>
-    <p:sldId id="272" r:id="rId16"/>
+    <p:sldId id="273" r:id="rId4"/>
+    <p:sldId id="258" r:id="rId5"/>
+    <p:sldId id="259" r:id="rId6"/>
+    <p:sldId id="260" r:id="rId7"/>
+    <p:sldId id="261" r:id="rId8"/>
+    <p:sldId id="262" r:id="rId9"/>
+    <p:sldId id="263" r:id="rId10"/>
+    <p:sldId id="264" r:id="rId11"/>
+    <p:sldId id="266" r:id="rId12"/>
+    <p:sldId id="267" r:id="rId13"/>
+    <p:sldId id="269" r:id="rId14"/>
+    <p:sldId id="270" r:id="rId15"/>
+    <p:sldId id="271" r:id="rId16"/>
+    <p:sldId id="272" r:id="rId17"/>
   </p:sldIdLst>
   <p:sldSz cx="12192000" cy="6858000"/>
   <p:notesSz cx="6858000" cy="9144000"/>
@@ -1536,7 +1537,7 @@
             <a:fld id="{B61BEF0D-F0BB-DE4B-95CE-6DB70DBA9567}" type="datetimeFigureOut">
               <a:rPr lang="en-US" smtClean="0"/>
               <a:pPr/>
-              <a:t>12/13/2018</a:t>
+              <a:t>12/14/2018</a:t>
             </a:fld>
             <a:endParaRPr lang="en-US" dirty="0"/>
           </a:p>
@@ -2997,7 +2998,7 @@
             <a:fld id="{B61BEF0D-F0BB-DE4B-95CE-6DB70DBA9567}" type="datetimeFigureOut">
               <a:rPr lang="en-US" smtClean="0"/>
               <a:pPr/>
-              <a:t>12/13/2018</a:t>
+              <a:t>12/14/2018</a:t>
             </a:fld>
             <a:endParaRPr lang="en-US" dirty="0"/>
           </a:p>
@@ -4452,7 +4453,7 @@
             <a:fld id="{B61BEF0D-F0BB-DE4B-95CE-6DB70DBA9567}" type="datetimeFigureOut">
               <a:rPr lang="en-US" smtClean="0"/>
               <a:pPr/>
-              <a:t>12/13/2018</a:t>
+              <a:t>12/14/2018</a:t>
             </a:fld>
             <a:endParaRPr lang="en-US" dirty="0"/>
           </a:p>
@@ -5909,7 +5910,7 @@
             <a:fld id="{B61BEF0D-F0BB-DE4B-95CE-6DB70DBA9567}" type="datetimeFigureOut">
               <a:rPr lang="en-US" smtClean="0"/>
               <a:pPr/>
-              <a:t>12/13/2018</a:t>
+              <a:t>12/14/2018</a:t>
             </a:fld>
             <a:endParaRPr lang="en-US" dirty="0"/>
           </a:p>
@@ -7419,7 +7420,7 @@
             <a:fld id="{B61BEF0D-F0BB-DE4B-95CE-6DB70DBA9567}" type="datetimeFigureOut">
               <a:rPr lang="en-US" smtClean="0"/>
               <a:pPr/>
-              <a:t>12/13/2018</a:t>
+              <a:t>12/14/2018</a:t>
             </a:fld>
             <a:endParaRPr lang="en-US" dirty="0"/>
           </a:p>
@@ -8942,7 +8943,7 @@
             <a:fld id="{B61BEF0D-F0BB-DE4B-95CE-6DB70DBA9567}" type="datetimeFigureOut">
               <a:rPr lang="en-US" smtClean="0"/>
               <a:pPr/>
-              <a:t>12/13/2018</a:t>
+              <a:t>12/14/2018</a:t>
             </a:fld>
             <a:endParaRPr lang="en-US" dirty="0"/>
           </a:p>
@@ -10609,7 +10610,7 @@
             <a:fld id="{B61BEF0D-F0BB-DE4B-95CE-6DB70DBA9567}" type="datetimeFigureOut">
               <a:rPr lang="en-US" smtClean="0"/>
               <a:pPr/>
-              <a:t>12/13/2018</a:t>
+              <a:t>12/14/2018</a:t>
             </a:fld>
             <a:endParaRPr lang="en-US" dirty="0"/>
           </a:p>
@@ -12009,7 +12010,7 @@
             <a:fld id="{B61BEF0D-F0BB-DE4B-95CE-6DB70DBA9567}" type="datetimeFigureOut">
               <a:rPr lang="en-US" smtClean="0"/>
               <a:pPr/>
-              <a:t>12/13/2018</a:t>
+              <a:t>12/14/2018</a:t>
             </a:fld>
             <a:endParaRPr lang="en-US" dirty="0"/>
           </a:p>
@@ -12111,7 +12112,7 @@
             <a:fld id="{B61BEF0D-F0BB-DE4B-95CE-6DB70DBA9567}" type="datetimeFigureOut">
               <a:rPr lang="en-US" smtClean="0"/>
               <a:pPr/>
-              <a:t>12/13/2018</a:t>
+              <a:t>12/14/2018</a:t>
             </a:fld>
             <a:endParaRPr lang="en-US" dirty="0"/>
           </a:p>
@@ -13639,7 +13640,7 @@
             <a:fld id="{B61BEF0D-F0BB-DE4B-95CE-6DB70DBA9567}" type="datetimeFigureOut">
               <a:rPr lang="en-US" smtClean="0"/>
               <a:pPr/>
-              <a:t>12/13/2018</a:t>
+              <a:t>12/14/2018</a:t>
             </a:fld>
             <a:endParaRPr lang="en-US" dirty="0"/>
           </a:p>
@@ -15177,7 +15178,7 @@
             <a:fld id="{B61BEF0D-F0BB-DE4B-95CE-6DB70DBA9567}" type="datetimeFigureOut">
               <a:rPr lang="en-US" smtClean="0"/>
               <a:pPr/>
-              <a:t>12/13/2018</a:t>
+              <a:t>12/14/2018</a:t>
             </a:fld>
             <a:endParaRPr lang="en-US" dirty="0"/>
           </a:p>
@@ -15429,7 +15430,7 @@
             <a:fld id="{B61BEF0D-F0BB-DE4B-95CE-6DB70DBA9567}" type="datetimeFigureOut">
               <a:rPr lang="en-US" smtClean="0"/>
               <a:pPr/>
-              <a:t>12/13/2018</a:t>
+              <a:t>12/14/2018</a:t>
             </a:fld>
             <a:endParaRPr lang="en-US" dirty="0"/>
           </a:p>
@@ -16008,6 +16009,14 @@
 <file path=ppt/slides/slide10.xml><?xml version="1.0" encoding="utf-8"?>
 <p:sld xmlns:a="http://schemas.openxmlformats.org/drawingml/2006/main" xmlns:r="http://schemas.openxmlformats.org/officeDocument/2006/relationships" xmlns:p="http://schemas.openxmlformats.org/presentationml/2006/main">
   <p:cSld>
+    <p:bg>
+      <p:bgPr>
+        <a:solidFill>
+          <a:schemeClr val="bg1"/>
+        </a:solidFill>
+        <a:effectLst/>
+      </p:bgPr>
+    </p:bg>
     <p:spTree>
       <p:nvGrpSpPr>
         <p:cNvPr id="1" name=""/>
@@ -16024,7 +16033,13 @@
       </p:grpSpPr>
       <p:sp>
         <p:nvSpPr>
-          <p:cNvPr id="2" name="Title 1"/>
+          <p:cNvPr id="2" name="Otsikko 1">
+            <a:extLst>
+              <a:ext uri="{FF2B5EF4-FFF2-40B4-BE49-F238E27FC236}">
+                <a16:creationId xmlns:a16="http://schemas.microsoft.com/office/drawing/2014/main" id="{842FD86D-A598-400A-B865-90337FB243C1}"/>
+              </a:ext>
+            </a:extLst>
+          </p:cNvPr>
           <p:cNvSpPr>
             <a:spLocks noGrp="1"/>
           </p:cNvSpPr>
@@ -16034,162 +16049,226 @@
         </p:nvSpPr>
         <p:spPr>
           <a:xfrm>
-            <a:off x="888631" y="1696596"/>
-            <a:ext cx="3498979" cy="517793"/>
+            <a:off x="-646192" y="1068635"/>
+            <a:ext cx="6542315" cy="1820537"/>
           </a:xfrm>
         </p:spPr>
         <p:txBody>
           <a:bodyPr>
-            <a:normAutofit fontScale="90000"/>
+            <a:normAutofit/>
           </a:bodyPr>
           <a:lstStyle/>
           <a:p>
             <a:r>
-              <a:rPr lang="fi-FI" dirty="0" smtClean="0"/>
-              <a:t>MQTT</a:t>
-            </a:r>
-            <a:endParaRPr lang="en-US" dirty="0"/>
+              <a:rPr lang="fi-FI" dirty="0" err="1"/>
+              <a:t>Https</a:t>
+            </a:r>
+            <a:endParaRPr lang="fi-FI" dirty="0"/>
+          </a:p>
+        </p:txBody>
+      </p:sp>
+      <p:sp>
+        <p:nvSpPr>
+          <p:cNvPr id="3" name="Sisällön paikkamerkki 2">
+            <a:extLst>
+              <a:ext uri="{FF2B5EF4-FFF2-40B4-BE49-F238E27FC236}">
+                <a16:creationId xmlns:a16="http://schemas.microsoft.com/office/drawing/2014/main" id="{AECB8112-0C58-46D3-BC06-1036ACBC9864}"/>
+              </a:ext>
+            </a:extLst>
+          </p:cNvPr>
+          <p:cNvSpPr>
+            <a:spLocks noGrp="1"/>
+          </p:cNvSpPr>
+          <p:nvPr>
+            <p:ph idx="1"/>
+          </p:nvPr>
+        </p:nvSpPr>
+        <p:spPr>
+          <a:xfrm>
+            <a:off x="804231" y="2280492"/>
+            <a:ext cx="3668617" cy="2588963"/>
+          </a:xfrm>
+          <a:noFill/>
+        </p:spPr>
+        <p:txBody>
+          <a:bodyPr>
+            <a:normAutofit/>
+          </a:bodyPr>
+          <a:lstStyle/>
+          <a:p>
+            <a:pPr>
+              <a:buClr>
+                <a:schemeClr val="bg1"/>
+              </a:buClr>
+            </a:pPr>
+            <a:r>
+              <a:rPr lang="fi-FI" dirty="0">
+                <a:solidFill>
+                  <a:schemeClr val="bg1"/>
+                </a:solidFill>
+              </a:rPr>
+              <a:t>Itsekirjoitettu HTTPS-sertifikaatti </a:t>
+            </a:r>
+            <a:r>
+              <a:rPr lang="fi-FI" dirty="0" err="1">
+                <a:solidFill>
+                  <a:schemeClr val="bg1"/>
+                </a:solidFill>
+              </a:rPr>
+              <a:t>Laravelin</a:t>
+            </a:r>
+            <a:r>
+              <a:rPr lang="fi-FI" dirty="0">
+                <a:solidFill>
+                  <a:schemeClr val="bg1"/>
+                </a:solidFill>
+              </a:rPr>
+              <a:t> hallintaa varten</a:t>
+            </a:r>
+          </a:p>
+          <a:p>
+            <a:pPr>
+              <a:buClr>
+                <a:schemeClr val="bg1"/>
+              </a:buClr>
+            </a:pPr>
+            <a:r>
+              <a:rPr lang="fi-FI" dirty="0">
+                <a:solidFill>
+                  <a:schemeClr val="bg1"/>
+                </a:solidFill>
+              </a:rPr>
+              <a:t>Privaattiavain kansiossa, johon vain </a:t>
+            </a:r>
+            <a:r>
+              <a:rPr lang="fi-FI" dirty="0" err="1">
+                <a:solidFill>
+                  <a:schemeClr val="bg1"/>
+                </a:solidFill>
+              </a:rPr>
+              <a:t>root</a:t>
+            </a:r>
+            <a:r>
+              <a:rPr lang="fi-FI" dirty="0">
+                <a:solidFill>
+                  <a:schemeClr val="bg1"/>
+                </a:solidFill>
+              </a:rPr>
+              <a:t>-käyttäjällä oikeus</a:t>
+            </a:r>
           </a:p>
         </p:txBody>
       </p:sp>
       <p:pic>
         <p:nvPicPr>
-          <p:cNvPr id="6" name="Content Placeholder 5"/>
-          <p:cNvPicPr>
-            <a:picLocks noGrp="1" noChangeAspect="1"/>
-          </p:cNvPicPr>
-          <p:nvPr>
-            <p:ph idx="1"/>
-          </p:nvPr>
+          <p:cNvPr id="5" name="Picture 6">
+            <a:extLst>
+              <a:ext uri="{FF2B5EF4-FFF2-40B4-BE49-F238E27FC236}">
+                <a16:creationId xmlns:a16="http://schemas.microsoft.com/office/drawing/2014/main" id="{5DF97399-4C9D-4F78-931F-8B88A5CA3982}"/>
+              </a:ext>
+            </a:extLst>
+          </p:cNvPr>
+          <p:cNvPicPr/>
+          <p:nvPr/>
         </p:nvPicPr>
         <p:blipFill>
-          <a:blip r:embed="rId2">
-            <a:extLst>
-              <a:ext uri="{28A0092B-C50C-407E-A947-70E740481C1C}">
-                <a14:useLocalDpi xmlns:a14="http://schemas.microsoft.com/office/drawing/2010/main" val="0"/>
-              </a:ext>
-            </a:extLst>
-          </a:blip>
+          <a:blip r:embed="rId2"/>
           <a:stretch>
             <a:fillRect/>
           </a:stretch>
         </p:blipFill>
         <p:spPr>
           <a:xfrm>
-            <a:off x="4977877" y="1696596"/>
-            <a:ext cx="6557665" cy="2739860"/>
+            <a:off x="4649119" y="1211855"/>
+            <a:ext cx="3316077" cy="4360713"/>
           </a:xfrm>
+          <a:prstGeom prst="roundRect">
+            <a:avLst>
+              <a:gd name="adj" fmla="val 4380"/>
+            </a:avLst>
+          </a:prstGeom>
+          <a:ln w="38100">
+            <a:gradFill flip="none" rotWithShape="1">
+              <a:gsLst>
+                <a:gs pos="0">
+                  <a:srgbClr val="363D46"/>
+                </a:gs>
+                <a:gs pos="100000">
+                  <a:srgbClr val="363D46">
+                    <a:lumMod val="75000"/>
+                  </a:srgbClr>
+                </a:gs>
+              </a:gsLst>
+              <a:lin ang="5400000" scaled="0"/>
+              <a:tileRect/>
+            </a:gradFill>
+          </a:ln>
+          <a:effectLst>
+            <a:innerShdw blurRad="57150" dist="38100" dir="14460000">
+              <a:srgbClr val="000000">
+                <a:alpha val="70000"/>
+              </a:srgbClr>
+            </a:innerShdw>
+          </a:effectLst>
         </p:spPr>
       </p:pic>
-      <p:sp>
-        <p:nvSpPr>
-          <p:cNvPr id="7" name="TextBox 6"/>
-          <p:cNvSpPr txBox="1"/>
+      <p:pic>
+        <p:nvPicPr>
+          <p:cNvPr id="4" name="Picture 7">
+            <a:extLst>
+              <a:ext uri="{FF2B5EF4-FFF2-40B4-BE49-F238E27FC236}">
+                <a16:creationId xmlns:a16="http://schemas.microsoft.com/office/drawing/2014/main" id="{23EE4E9C-6BA0-438D-931F-46F10FFA5A2F}"/>
+              </a:ext>
+            </a:extLst>
+          </p:cNvPr>
+          <p:cNvPicPr/>
           <p:nvPr/>
-        </p:nvSpPr>
+        </p:nvPicPr>
+        <p:blipFill>
+          <a:blip r:embed="rId3"/>
+          <a:stretch>
+            <a:fillRect/>
+          </a:stretch>
+        </p:blipFill>
         <p:spPr>
           <a:xfrm>
-            <a:off x="888631" y="2324559"/>
-            <a:ext cx="3418964" cy="2031325"/>
+            <a:off x="8344131" y="1211854"/>
+            <a:ext cx="3398897" cy="4360713"/>
           </a:xfrm>
-          <a:prstGeom prst="rect">
-            <a:avLst/>
+          <a:prstGeom prst="roundRect">
+            <a:avLst>
+              <a:gd name="adj" fmla="val 4380"/>
+            </a:avLst>
           </a:prstGeom>
-          <a:noFill/>
+          <a:ln w="38100">
+            <a:gradFill flip="none" rotWithShape="1">
+              <a:gsLst>
+                <a:gs pos="0">
+                  <a:srgbClr val="363D46"/>
+                </a:gs>
+                <a:gs pos="100000">
+                  <a:srgbClr val="363D46">
+                    <a:lumMod val="75000"/>
+                  </a:srgbClr>
+                </a:gs>
+              </a:gsLst>
+              <a:lin ang="5400000" scaled="0"/>
+              <a:tileRect/>
+            </a:gradFill>
+          </a:ln>
+          <a:effectLst>
+            <a:innerShdw blurRad="57150" dist="38100" dir="14460000">
+              <a:srgbClr val="000000">
+                <a:alpha val="70000"/>
+              </a:srgbClr>
+            </a:innerShdw>
+          </a:effectLst>
         </p:spPr>
-        <p:txBody>
-          <a:bodyPr wrap="square" rtlCol="0">
-            <a:spAutoFit/>
-          </a:bodyPr>
-          <a:lstStyle/>
-          <a:p>
-            <a:pPr marL="285750" indent="-285750">
-              <a:buClr>
-                <a:schemeClr val="bg1"/>
-              </a:buClr>
-              <a:buFont typeface="Wingdings" panose="05000000000000000000" pitchFamily="2" charset="2"/>
-              <a:buChar char="§"/>
-            </a:pPr>
-            <a:r>
-              <a:rPr lang="fi-FI" dirty="0" smtClean="0">
-                <a:solidFill>
-                  <a:schemeClr val="bg1"/>
-                </a:solidFill>
-              </a:rPr>
-              <a:t>Raspi toimii </a:t>
-            </a:r>
-            <a:r>
-              <a:rPr lang="fi-FI" dirty="0" err="1" smtClean="0">
-                <a:solidFill>
-                  <a:schemeClr val="bg1"/>
-                </a:solidFill>
-              </a:rPr>
-              <a:t>brokerina</a:t>
-            </a:r>
-            <a:r>
-              <a:rPr lang="fi-FI" dirty="0" smtClean="0">
-                <a:solidFill>
-                  <a:schemeClr val="bg1"/>
-                </a:solidFill>
-              </a:rPr>
-              <a:t> ja lähettäjänä</a:t>
-            </a:r>
-          </a:p>
-          <a:p>
-            <a:pPr marL="285750" indent="-285750">
-              <a:buClr>
-                <a:schemeClr val="bg1"/>
-              </a:buClr>
-              <a:buFont typeface="Wingdings" panose="05000000000000000000" pitchFamily="2" charset="2"/>
-              <a:buChar char="§"/>
-            </a:pPr>
-            <a:r>
-              <a:rPr lang="fi-FI" dirty="0" smtClean="0">
-                <a:solidFill>
-                  <a:schemeClr val="bg1"/>
-                </a:solidFill>
-              </a:rPr>
-              <a:t>Virtuaalikone on </a:t>
-            </a:r>
-            <a:r>
-              <a:rPr lang="fi-FI" dirty="0" err="1" smtClean="0">
-                <a:solidFill>
-                  <a:schemeClr val="bg1"/>
-                </a:solidFill>
-              </a:rPr>
-              <a:t>subscribed</a:t>
-            </a:r>
-            <a:r>
-              <a:rPr lang="fi-FI" dirty="0" smtClean="0">
-                <a:solidFill>
-                  <a:schemeClr val="bg1"/>
-                </a:solidFill>
-              </a:rPr>
-              <a:t> Raspin </a:t>
-            </a:r>
-            <a:r>
-              <a:rPr lang="fi-FI" dirty="0" err="1" smtClean="0">
-                <a:solidFill>
-                  <a:schemeClr val="bg1"/>
-                </a:solidFill>
-              </a:rPr>
-              <a:t>topikkiin</a:t>
-            </a:r>
-            <a:r>
-              <a:rPr lang="fi-FI" dirty="0" smtClean="0">
-                <a:solidFill>
-                  <a:schemeClr val="bg1"/>
-                </a:solidFill>
-              </a:rPr>
-              <a:t> ja tallentaa aina uusimman viestin tiedot tietokantaan</a:t>
-            </a:r>
-          </a:p>
-        </p:txBody>
-      </p:sp>
+      </p:pic>
     </p:spTree>
     <p:extLst>
       <p:ext uri="{BB962C8B-B14F-4D97-AF65-F5344CB8AC3E}">
-        <p14:creationId xmlns:p14="http://schemas.microsoft.com/office/powerpoint/2010/main" val="463956920"/>
+        <p14:creationId xmlns:p14="http://schemas.microsoft.com/office/powerpoint/2010/main" val="2142855863"/>
       </p:ext>
     </p:extLst>
   </p:cSld>
@@ -16235,25 +16314,19 @@
         </p:nvSpPr>
         <p:spPr>
           <a:xfrm>
-            <a:off x="877614" y="719429"/>
-            <a:ext cx="3498979" cy="2456442"/>
+            <a:off x="888631" y="1696596"/>
+            <a:ext cx="3498979" cy="517793"/>
           </a:xfrm>
         </p:spPr>
         <p:txBody>
-          <a:bodyPr/>
+          <a:bodyPr>
+            <a:normAutofit fontScale="90000"/>
+          </a:bodyPr>
           <a:lstStyle/>
           <a:p>
             <a:r>
-              <a:rPr lang="fi-FI" dirty="0" err="1" smtClean="0"/>
-              <a:t>Daemon</a:t>
-            </a:r>
-            <a:r>
               <a:rPr lang="fi-FI" dirty="0" smtClean="0"/>
-              <a:t> </a:t>
-            </a:r>
-            <a:r>
-              <a:rPr lang="fi-FI" dirty="0" err="1" smtClean="0"/>
-              <a:t>script</a:t>
+              <a:t>MQTT</a:t>
             </a:r>
             <a:endParaRPr lang="en-US" dirty="0"/>
           </a:p>
@@ -16283,8 +16356,8 @@
         </p:blipFill>
         <p:spPr>
           <a:xfrm>
-            <a:off x="4718367" y="1564394"/>
-            <a:ext cx="7138446" cy="3443546"/>
+            <a:off x="4977877" y="1696596"/>
+            <a:ext cx="6557665" cy="2739860"/>
           </a:xfrm>
         </p:spPr>
       </p:pic>
@@ -16296,8 +16369,8 @@
         </p:nvSpPr>
         <p:spPr>
           <a:xfrm>
-            <a:off x="991517" y="2765234"/>
-            <a:ext cx="3385075" cy="1200329"/>
+            <a:off x="888631" y="2324559"/>
+            <a:ext cx="3418964" cy="2031325"/>
           </a:xfrm>
           <a:prstGeom prst="rect">
             <a:avLst/>
@@ -16311,16 +16384,27 @@
           <a:lstStyle/>
           <a:p>
             <a:pPr marL="285750" indent="-285750">
+              <a:buClr>
+                <a:schemeClr val="bg1"/>
+              </a:buClr>
               <a:buFont typeface="Wingdings" panose="05000000000000000000" pitchFamily="2" charset="2"/>
               <a:buChar char="§"/>
             </a:pPr>
+            <a:r>
+              <a:rPr lang="fi-FI" dirty="0" smtClean="0">
+                <a:solidFill>
+                  <a:schemeClr val="bg1"/>
+                </a:solidFill>
+              </a:rPr>
+              <a:t>Raspi toimii </a:t>
+            </a:r>
             <a:r>
               <a:rPr lang="fi-FI" dirty="0" err="1" smtClean="0">
                 <a:solidFill>
                   <a:schemeClr val="bg1"/>
                 </a:solidFill>
               </a:rPr>
-              <a:t>Init.d</a:t>
+              <a:t>brokerina</a:t>
             </a:r>
             <a:r>
               <a:rPr lang="fi-FI" dirty="0" smtClean="0">
@@ -16328,7 +16412,24 @@
                   <a:schemeClr val="bg1"/>
                 </a:solidFill>
               </a:rPr>
-              <a:t> Shell </a:t>
+              <a:t> ja lähettäjänä</a:t>
+            </a:r>
+          </a:p>
+          <a:p>
+            <a:pPr marL="285750" indent="-285750">
+              <a:buClr>
+                <a:schemeClr val="bg1"/>
+              </a:buClr>
+              <a:buFont typeface="Wingdings" panose="05000000000000000000" pitchFamily="2" charset="2"/>
+              <a:buChar char="§"/>
+            </a:pPr>
+            <a:r>
+              <a:rPr lang="fi-FI" dirty="0" smtClean="0">
+                <a:solidFill>
+                  <a:schemeClr val="bg1"/>
+                </a:solidFill>
+              </a:rPr>
+              <a:t>Virtuaalikone on </a:t>
             </a:r>
             <a:r>
               <a:rPr lang="fi-FI" dirty="0" err="1" smtClean="0">
@@ -16336,7 +16437,7 @@
                   <a:schemeClr val="bg1"/>
                 </a:solidFill>
               </a:rPr>
-              <a:t>scripti</a:t>
+              <a:t>subscribed</a:t>
             </a:r>
             <a:r>
               <a:rPr lang="fi-FI" dirty="0" smtClean="0">
@@ -16344,7 +16445,7 @@
                   <a:schemeClr val="bg1"/>
                 </a:solidFill>
               </a:rPr>
-              <a:t> käynnistää MQTT python </a:t>
+              <a:t> Raspin </a:t>
             </a:r>
             <a:r>
               <a:rPr lang="fi-FI" dirty="0" err="1" smtClean="0">
@@ -16352,7 +16453,7 @@
                   <a:schemeClr val="bg1"/>
                 </a:solidFill>
               </a:rPr>
-              <a:t>scriptit</a:t>
+              <a:t>topikkiin</a:t>
             </a:r>
             <a:r>
               <a:rPr lang="fi-FI" dirty="0" smtClean="0">
@@ -16360,20 +16461,15 @@
                   <a:schemeClr val="bg1"/>
                 </a:solidFill>
               </a:rPr>
-              <a:t> käynnistyksen yhteydessä</a:t>
-            </a:r>
-            <a:endParaRPr lang="en-US" dirty="0">
-              <a:solidFill>
-                <a:schemeClr val="bg1"/>
-              </a:solidFill>
-            </a:endParaRPr>
+              <a:t> ja tallentaa aina uusimman viestin tiedot tietokantaan</a:t>
+            </a:r>
           </a:p>
         </p:txBody>
       </p:sp>
     </p:spTree>
     <p:extLst>
       <p:ext uri="{BB962C8B-B14F-4D97-AF65-F5344CB8AC3E}">
-        <p14:creationId xmlns:p14="http://schemas.microsoft.com/office/powerpoint/2010/main" val="87754194"/>
+        <p14:creationId xmlns:p14="http://schemas.microsoft.com/office/powerpoint/2010/main" val="463956920"/>
       </p:ext>
     </p:extLst>
   </p:cSld>
@@ -16414,13 +16510,13 @@
             <a:spLocks noGrp="1"/>
           </p:cNvSpPr>
           <p:nvPr>
-            <p:ph type="ctrTitle"/>
+            <p:ph type="title"/>
           </p:nvPr>
         </p:nvSpPr>
         <p:spPr>
           <a:xfrm>
-            <a:off x="1752749" y="169586"/>
-            <a:ext cx="8679915" cy="1748729"/>
+            <a:off x="877614" y="719429"/>
+            <a:ext cx="3498979" cy="2456442"/>
           </a:xfrm>
         </p:spPr>
         <p:txBody>
@@ -16429,7 +16525,7 @@
           <a:p>
             <a:r>
               <a:rPr lang="fi-FI" dirty="0" err="1" smtClean="0"/>
-              <a:t>Api</a:t>
+              <a:t>Daemon</a:t>
             </a:r>
             <a:r>
               <a:rPr lang="fi-FI" dirty="0" smtClean="0"/>
@@ -16437,7 +16533,7 @@
             </a:r>
             <a:r>
               <a:rPr lang="fi-FI" dirty="0" err="1" smtClean="0"/>
-              <a:t>request</a:t>
+              <a:t>script</a:t>
             </a:r>
             <a:endParaRPr lang="en-US" dirty="0"/>
           </a:p>
@@ -16445,11 +16541,13 @@
       </p:sp>
       <p:pic>
         <p:nvPicPr>
-          <p:cNvPr id="4" name="Picture 3"/>
+          <p:cNvPr id="6" name="Content Placeholder 5"/>
           <p:cNvPicPr>
-            <a:picLocks noChangeAspect="1"/>
+            <a:picLocks noGrp="1" noChangeAspect="1"/>
           </p:cNvPicPr>
-          <p:nvPr/>
+          <p:nvPr>
+            <p:ph idx="1"/>
+          </p:nvPr>
         </p:nvPicPr>
         <p:blipFill>
           <a:blip r:embed="rId2">
@@ -16465,18 +16563,97 @@
         </p:blipFill>
         <p:spPr>
           <a:xfrm>
-            <a:off x="653640" y="2324559"/>
-            <a:ext cx="10878132" cy="2456761"/>
+            <a:off x="4718367" y="1564394"/>
+            <a:ext cx="7138446" cy="3443546"/>
+          </a:xfrm>
+        </p:spPr>
+      </p:pic>
+      <p:sp>
+        <p:nvSpPr>
+          <p:cNvPr id="7" name="TextBox 6"/>
+          <p:cNvSpPr txBox="1"/>
+          <p:nvPr/>
+        </p:nvSpPr>
+        <p:spPr>
+          <a:xfrm>
+            <a:off x="991517" y="2765234"/>
+            <a:ext cx="3385075" cy="1200329"/>
           </a:xfrm>
           <a:prstGeom prst="rect">
             <a:avLst/>
           </a:prstGeom>
+          <a:noFill/>
         </p:spPr>
-      </p:pic>
+        <p:txBody>
+          <a:bodyPr wrap="square" rtlCol="0">
+            <a:spAutoFit/>
+          </a:bodyPr>
+          <a:lstStyle/>
+          <a:p>
+            <a:pPr marL="285750" indent="-285750">
+              <a:buFont typeface="Wingdings" panose="05000000000000000000" pitchFamily="2" charset="2"/>
+              <a:buChar char="§"/>
+            </a:pPr>
+            <a:r>
+              <a:rPr lang="fi-FI" dirty="0" err="1" smtClean="0">
+                <a:solidFill>
+                  <a:schemeClr val="bg1"/>
+                </a:solidFill>
+              </a:rPr>
+              <a:t>Init.d</a:t>
+            </a:r>
+            <a:r>
+              <a:rPr lang="fi-FI" dirty="0" smtClean="0">
+                <a:solidFill>
+                  <a:schemeClr val="bg1"/>
+                </a:solidFill>
+              </a:rPr>
+              <a:t> Shell </a:t>
+            </a:r>
+            <a:r>
+              <a:rPr lang="fi-FI" dirty="0" err="1" smtClean="0">
+                <a:solidFill>
+                  <a:schemeClr val="bg1"/>
+                </a:solidFill>
+              </a:rPr>
+              <a:t>scripti</a:t>
+            </a:r>
+            <a:r>
+              <a:rPr lang="fi-FI" dirty="0" smtClean="0">
+                <a:solidFill>
+                  <a:schemeClr val="bg1"/>
+                </a:solidFill>
+              </a:rPr>
+              <a:t> käynnistää MQTT python </a:t>
+            </a:r>
+            <a:r>
+              <a:rPr lang="fi-FI" dirty="0" err="1" smtClean="0">
+                <a:solidFill>
+                  <a:schemeClr val="bg1"/>
+                </a:solidFill>
+              </a:rPr>
+              <a:t>scriptit</a:t>
+            </a:r>
+            <a:r>
+              <a:rPr lang="fi-FI" dirty="0" smtClean="0">
+                <a:solidFill>
+                  <a:schemeClr val="bg1"/>
+                </a:solidFill>
+              </a:rPr>
+              <a:t> käynnistyksen yhteydessä</a:t>
+            </a:r>
+            <a:endParaRPr lang="en-US" dirty="0">
+              <a:solidFill>
+                <a:schemeClr val="bg1"/>
+              </a:solidFill>
+            </a:endParaRPr>
+          </a:p>
+        </p:txBody>
+      </p:sp>
     </p:spTree>
     <p:extLst>
       <p:ext uri="{BB962C8B-B14F-4D97-AF65-F5344CB8AC3E}">
-        <p14:creationId xmlns:p14="http://schemas.microsoft.com/office/powerpoint/2010/main" val="3106362720"/>
+        <p14:creationId xmlns:p14="http://schemas.microsoft.com/office/powerpoint/2010/main" val="87754194"/>
       </p:ext>
     </p:extLst>
   </p:cSld>
@@ -16517,13 +16694,13 @@
             <a:spLocks noGrp="1"/>
           </p:cNvSpPr>
           <p:nvPr>
-            <p:ph type="title"/>
+            <p:ph type="ctrTitle"/>
           </p:nvPr>
         </p:nvSpPr>
         <p:spPr>
           <a:xfrm>
-            <a:off x="833546" y="752479"/>
-            <a:ext cx="3498979" cy="2456442"/>
+            <a:off x="1752749" y="169586"/>
+            <a:ext cx="8679915" cy="1748729"/>
           </a:xfrm>
         </p:spPr>
         <p:txBody>
@@ -16532,7 +16709,7 @@
           <a:p>
             <a:r>
               <a:rPr lang="fi-FI" dirty="0" err="1" smtClean="0"/>
-              <a:t>React</a:t>
+              <a:t>Api</a:t>
             </a:r>
             <a:r>
               <a:rPr lang="fi-FI" dirty="0" smtClean="0"/>
@@ -16540,7 +16717,7 @@
             </a:r>
             <a:r>
               <a:rPr lang="fi-FI" dirty="0" err="1" smtClean="0"/>
-              <a:t>front-end</a:t>
+              <a:t>request</a:t>
             </a:r>
             <a:endParaRPr lang="en-US" dirty="0"/>
           </a:p>
@@ -16548,13 +16725,11 @@
       </p:sp>
       <p:pic>
         <p:nvPicPr>
-          <p:cNvPr id="4" name="Content Placeholder 3"/>
+          <p:cNvPr id="4" name="Picture 3"/>
           <p:cNvPicPr>
-            <a:picLocks noGrp="1" noChangeAspect="1"/>
+            <a:picLocks noChangeAspect="1"/>
           </p:cNvPicPr>
-          <p:nvPr>
-            <p:ph idx="1"/>
-          </p:nvPr>
+          <p:nvPr/>
         </p:nvPicPr>
         <p:blipFill>
           <a:blip r:embed="rId2">
@@ -16570,73 +16745,18 @@
         </p:blipFill>
         <p:spPr>
           <a:xfrm>
-            <a:off x="5118100" y="1464369"/>
-            <a:ext cx="6281738" cy="3926086"/>
-          </a:xfrm>
-        </p:spPr>
-      </p:pic>
-      <p:sp>
-        <p:nvSpPr>
-          <p:cNvPr id="5" name="TextBox 4"/>
-          <p:cNvSpPr txBox="1"/>
-          <p:nvPr/>
-        </p:nvSpPr>
-        <p:spPr>
-          <a:xfrm>
-            <a:off x="833546" y="2380810"/>
-            <a:ext cx="3584218" cy="923330"/>
+            <a:off x="653640" y="2324559"/>
+            <a:ext cx="10878132" cy="2456761"/>
           </a:xfrm>
           <a:prstGeom prst="rect">
             <a:avLst/>
           </a:prstGeom>
-          <a:noFill/>
         </p:spPr>
-        <p:txBody>
-          <a:bodyPr wrap="square" rtlCol="0">
-            <a:spAutoFit/>
-          </a:bodyPr>
-          <a:lstStyle/>
-          <a:p>
-            <a:pPr marL="285750" indent="-285750">
-              <a:buFont typeface="Wingdings" panose="05000000000000000000" pitchFamily="2" charset="2"/>
-              <a:buChar char="§"/>
-            </a:pPr>
-            <a:r>
-              <a:rPr lang="fi-FI" dirty="0" smtClean="0">
-                <a:solidFill>
-                  <a:schemeClr val="bg1"/>
-                </a:solidFill>
-              </a:rPr>
-              <a:t>Data haetaan </a:t>
-            </a:r>
-            <a:r>
-              <a:rPr lang="fi-FI" dirty="0" err="1" smtClean="0">
-                <a:solidFill>
-                  <a:schemeClr val="bg1"/>
-                </a:solidFill>
-              </a:rPr>
-              <a:t>API:sta</a:t>
-            </a:r>
-            <a:r>
-              <a:rPr lang="fi-FI" dirty="0" smtClean="0">
-                <a:solidFill>
-                  <a:schemeClr val="bg1"/>
-                </a:solidFill>
-              </a:rPr>
-              <a:t> ja visualisoidaan Chart.js taulukoiden avulla</a:t>
-            </a:r>
-            <a:endParaRPr lang="en-US" dirty="0">
-              <a:solidFill>
-                <a:schemeClr val="bg1"/>
-              </a:solidFill>
-            </a:endParaRPr>
-          </a:p>
-        </p:txBody>
-      </p:sp>
+      </p:pic>
     </p:spTree>
     <p:extLst>
       <p:ext uri="{BB962C8B-B14F-4D97-AF65-F5344CB8AC3E}">
-        <p14:creationId xmlns:p14="http://schemas.microsoft.com/office/powerpoint/2010/main" val="4183278997"/>
+        <p14:creationId xmlns:p14="http://schemas.microsoft.com/office/powerpoint/2010/main" val="3106362720"/>
       </p:ext>
     </p:extLst>
   </p:cSld>
@@ -16680,6 +16800,166 @@
             <p:ph type="title"/>
           </p:nvPr>
         </p:nvSpPr>
+        <p:spPr>
+          <a:xfrm>
+            <a:off x="833546" y="752479"/>
+            <a:ext cx="3498979" cy="2456442"/>
+          </a:xfrm>
+        </p:spPr>
+        <p:txBody>
+          <a:bodyPr/>
+          <a:lstStyle/>
+          <a:p>
+            <a:r>
+              <a:rPr lang="fi-FI" dirty="0" err="1" smtClean="0"/>
+              <a:t>React</a:t>
+            </a:r>
+            <a:r>
+              <a:rPr lang="fi-FI" dirty="0" smtClean="0"/>
+              <a:t> </a:t>
+            </a:r>
+            <a:r>
+              <a:rPr lang="fi-FI" dirty="0" err="1" smtClean="0"/>
+              <a:t>front-end</a:t>
+            </a:r>
+            <a:endParaRPr lang="en-US" dirty="0"/>
+          </a:p>
+        </p:txBody>
+      </p:sp>
+      <p:pic>
+        <p:nvPicPr>
+          <p:cNvPr id="4" name="Content Placeholder 3"/>
+          <p:cNvPicPr>
+            <a:picLocks noGrp="1" noChangeAspect="1"/>
+          </p:cNvPicPr>
+          <p:nvPr>
+            <p:ph idx="1"/>
+          </p:nvPr>
+        </p:nvPicPr>
+        <p:blipFill>
+          <a:blip r:embed="rId2">
+            <a:extLst>
+              <a:ext uri="{28A0092B-C50C-407E-A947-70E740481C1C}">
+                <a14:useLocalDpi xmlns:a14="http://schemas.microsoft.com/office/drawing/2010/main" val="0"/>
+              </a:ext>
+            </a:extLst>
+          </a:blip>
+          <a:stretch>
+            <a:fillRect/>
+          </a:stretch>
+        </p:blipFill>
+        <p:spPr>
+          <a:xfrm>
+            <a:off x="5118100" y="1464369"/>
+            <a:ext cx="6281738" cy="3926086"/>
+          </a:xfrm>
+        </p:spPr>
+      </p:pic>
+      <p:sp>
+        <p:nvSpPr>
+          <p:cNvPr id="5" name="TextBox 4"/>
+          <p:cNvSpPr txBox="1"/>
+          <p:nvPr/>
+        </p:nvSpPr>
+        <p:spPr>
+          <a:xfrm>
+            <a:off x="833546" y="2380810"/>
+            <a:ext cx="3584218" cy="923330"/>
+          </a:xfrm>
+          <a:prstGeom prst="rect">
+            <a:avLst/>
+          </a:prstGeom>
+          <a:noFill/>
+        </p:spPr>
+        <p:txBody>
+          <a:bodyPr wrap="square" rtlCol="0">
+            <a:spAutoFit/>
+          </a:bodyPr>
+          <a:lstStyle/>
+          <a:p>
+            <a:pPr marL="285750" indent="-285750">
+              <a:buFont typeface="Wingdings" panose="05000000000000000000" pitchFamily="2" charset="2"/>
+              <a:buChar char="§"/>
+            </a:pPr>
+            <a:r>
+              <a:rPr lang="fi-FI" dirty="0" smtClean="0">
+                <a:solidFill>
+                  <a:schemeClr val="bg1"/>
+                </a:solidFill>
+              </a:rPr>
+              <a:t>Data haetaan </a:t>
+            </a:r>
+            <a:r>
+              <a:rPr lang="fi-FI" dirty="0" err="1" smtClean="0">
+                <a:solidFill>
+                  <a:schemeClr val="bg1"/>
+                </a:solidFill>
+              </a:rPr>
+              <a:t>API:sta</a:t>
+            </a:r>
+            <a:r>
+              <a:rPr lang="fi-FI" dirty="0" smtClean="0">
+                <a:solidFill>
+                  <a:schemeClr val="bg1"/>
+                </a:solidFill>
+              </a:rPr>
+              <a:t> ja visualisoidaan Chart.js taulukoiden avulla</a:t>
+            </a:r>
+            <a:endParaRPr lang="en-US" dirty="0">
+              <a:solidFill>
+                <a:schemeClr val="bg1"/>
+              </a:solidFill>
+            </a:endParaRPr>
+          </a:p>
+        </p:txBody>
+      </p:sp>
+    </p:spTree>
+    <p:extLst>
+      <p:ext uri="{BB962C8B-B14F-4D97-AF65-F5344CB8AC3E}">
+        <p14:creationId xmlns:p14="http://schemas.microsoft.com/office/powerpoint/2010/main" val="4183278997"/>
+      </p:ext>
+    </p:extLst>
+  </p:cSld>
+  <p:clrMapOvr>
+    <a:masterClrMapping/>
+  </p:clrMapOvr>
+  <p:timing>
+    <p:tnLst>
+      <p:par>
+        <p:cTn id="1" dur="indefinite" restart="never" nodeType="tmRoot"/>
+      </p:par>
+    </p:tnLst>
+  </p:timing>
+</p:sld>
+</file>
+
+<file path=ppt/slides/slide15.xml><?xml version="1.0" encoding="utf-8"?>
+<p:sld xmlns:a="http://schemas.openxmlformats.org/drawingml/2006/main" xmlns:r="http://schemas.openxmlformats.org/officeDocument/2006/relationships" xmlns:p="http://schemas.openxmlformats.org/presentationml/2006/main">
+  <p:cSld>
+    <p:spTree>
+      <p:nvGrpSpPr>
+        <p:cNvPr id="1" name=""/>
+        <p:cNvGrpSpPr/>
+        <p:nvPr/>
+      </p:nvGrpSpPr>
+      <p:grpSpPr>
+        <a:xfrm>
+          <a:off x="0" y="0"/>
+          <a:ext cx="0" cy="0"/>
+          <a:chOff x="0" y="0"/>
+          <a:chExt cx="0" cy="0"/>
+        </a:xfrm>
+      </p:grpSpPr>
+      <p:sp>
+        <p:nvSpPr>
+          <p:cNvPr id="2" name="Title 1"/>
+          <p:cNvSpPr>
+            <a:spLocks noGrp="1"/>
+          </p:cNvSpPr>
+          <p:nvPr>
+            <p:ph type="title"/>
+          </p:nvPr>
+        </p:nvSpPr>
         <p:spPr/>
         <p:txBody>
           <a:bodyPr/>
@@ -16792,7 +17072,7 @@
 </p:sld>
 </file>
 
-<file path=ppt/slides/slide15.xml><?xml version="1.0" encoding="utf-8"?>
+<file path=ppt/slides/slide16.xml><?xml version="1.0" encoding="utf-8"?>
 <p:sld xmlns:a="http://schemas.openxmlformats.org/drawingml/2006/main" xmlns:r="http://schemas.openxmlformats.org/officeDocument/2006/relationships" xmlns:p="http://schemas.openxmlformats.org/presentationml/2006/main">
   <p:cSld>
     <p:spTree>
@@ -17117,7 +17397,7 @@
           <p:cNvPr id="2" name="Otsikko 1">
             <a:extLst>
               <a:ext uri="{FF2B5EF4-FFF2-40B4-BE49-F238E27FC236}">
-                <a16:creationId xmlns:a16="http://schemas.microsoft.com/office/drawing/2014/main" id="{BB6913F5-E0C6-446F-AF1F-C8683C5ABDC0}"/>
+                <a16:creationId xmlns:a16="http://schemas.microsoft.com/office/drawing/2014/main" id="{F208D954-F726-46E5-B970-2D788DE9E88B}"/>
               </a:ext>
             </a:extLst>
           </p:cNvPr>
@@ -17134,106 +17414,46 @@
           <a:lstStyle/>
           <a:p>
             <a:r>
-              <a:rPr lang="fi-FI" dirty="0"/>
-              <a:t>Yleiskuva</a:t>
-            </a:r>
-          </a:p>
-        </p:txBody>
-      </p:sp>
-      <p:sp>
-        <p:nvSpPr>
-          <p:cNvPr id="3" name="Sisällön paikkamerkki 2">
-            <a:extLst>
-              <a:ext uri="{FF2B5EF4-FFF2-40B4-BE49-F238E27FC236}">
-                <a16:creationId xmlns:a16="http://schemas.microsoft.com/office/drawing/2014/main" id="{7197954D-7726-450F-B93C-432E5AED71BC}"/>
-              </a:ext>
-            </a:extLst>
-          </p:cNvPr>
-          <p:cNvSpPr>
-            <a:spLocks noGrp="1"/>
-          </p:cNvSpPr>
-          <p:nvPr>
-            <p:ph idx="1"/>
-          </p:nvPr>
-        </p:nvSpPr>
-        <p:spPr/>
-        <p:txBody>
-          <a:bodyPr/>
-          <a:lstStyle/>
-          <a:p>
-            <a:r>
-              <a:rPr lang="fi-FI" dirty="0"/>
-              <a:t>Palvelin vastaanottaa dataa </a:t>
-            </a:r>
-            <a:r>
-              <a:rPr lang="fi-FI" dirty="0" err="1"/>
-              <a:t>Raspberry</a:t>
-            </a:r>
-            <a:r>
-              <a:rPr lang="fi-FI" dirty="0"/>
-              <a:t> </a:t>
-            </a:r>
-            <a:r>
-              <a:rPr lang="fi-FI" dirty="0" err="1"/>
-              <a:t>Pi</a:t>
-            </a:r>
-            <a:r>
-              <a:rPr lang="fi-FI" dirty="0"/>
-              <a:t> laitteelta.</a:t>
-            </a:r>
-          </a:p>
-          <a:p>
-            <a:pPr lvl="1"/>
-            <a:r>
-              <a:rPr lang="fi-FI" dirty="0" err="1"/>
-              <a:t>Raspberry</a:t>
-            </a:r>
-            <a:r>
-              <a:rPr lang="fi-FI" dirty="0"/>
-              <a:t> toimii ”ovipäätteenä”</a:t>
-            </a:r>
-          </a:p>
-          <a:p>
-            <a:r>
-              <a:rPr lang="fi-FI" dirty="0"/>
-              <a:t>MQTT-protokolla tiedon välitykseen</a:t>
-            </a:r>
-          </a:p>
-          <a:p>
-            <a:r>
-              <a:rPr lang="fi-FI" dirty="0"/>
-              <a:t>MySQL tallennukseen ja </a:t>
-            </a:r>
-            <a:r>
               <a:rPr lang="fi-FI" dirty="0" smtClean="0"/>
-              <a:t>hallinnointiin</a:t>
-            </a:r>
-          </a:p>
-          <a:p>
-            <a:r>
-              <a:rPr lang="fi-FI" dirty="0" err="1" smtClean="0"/>
-              <a:t>Ruuvitagiltä</a:t>
-            </a:r>
-            <a:r>
-              <a:rPr lang="fi-FI" dirty="0" smtClean="0"/>
-              <a:t> </a:t>
-            </a:r>
-            <a:r>
-              <a:rPr lang="fi-FI" dirty="0" err="1" smtClean="0"/>
-              <a:t>BLE:llä</a:t>
-            </a:r>
-            <a:r>
-              <a:rPr lang="fi-FI" dirty="0" smtClean="0"/>
-              <a:t> dataa Raspille</a:t>
+              <a:t>Rakenne</a:t>
             </a:r>
             <a:endParaRPr lang="fi-FI" dirty="0"/>
           </a:p>
         </p:txBody>
       </p:sp>
+      <p:pic>
+        <p:nvPicPr>
+          <p:cNvPr id="4" name="Content Placeholder 3"/>
+          <p:cNvPicPr>
+            <a:picLocks noGrp="1" noChangeAspect="1"/>
+          </p:cNvPicPr>
+          <p:nvPr>
+            <p:ph idx="1"/>
+          </p:nvPr>
+        </p:nvPicPr>
+        <p:blipFill>
+          <a:blip r:embed="rId2">
+            <a:extLst>
+              <a:ext uri="{28A0092B-C50C-407E-A947-70E740481C1C}">
+                <a14:useLocalDpi xmlns:a14="http://schemas.microsoft.com/office/drawing/2010/main" val="0"/>
+              </a:ext>
+            </a:extLst>
+          </a:blip>
+          <a:stretch>
+            <a:fillRect/>
+          </a:stretch>
+        </p:blipFill>
+        <p:spPr>
+          <a:xfrm>
+            <a:off x="4655127" y="1926178"/>
+            <a:ext cx="6744711" cy="2809611"/>
+          </a:xfrm>
+        </p:spPr>
+      </p:pic>
     </p:spTree>
     <p:extLst>
       <p:ext uri="{BB962C8B-B14F-4D97-AF65-F5344CB8AC3E}">
-        <p14:creationId xmlns:p14="http://schemas.microsoft.com/office/powerpoint/2010/main" val="4029366311"/>
+        <p14:creationId xmlns:p14="http://schemas.microsoft.com/office/powerpoint/2010/main" val="3105185602"/>
       </p:ext>
     </p:extLst>
   </p:cSld>
@@ -17272,6 +17492,161 @@
           <p:cNvPr id="2" name="Otsikko 1">
             <a:extLst>
               <a:ext uri="{FF2B5EF4-FFF2-40B4-BE49-F238E27FC236}">
+                <a16:creationId xmlns:a16="http://schemas.microsoft.com/office/drawing/2014/main" id="{BB6913F5-E0C6-446F-AF1F-C8683C5ABDC0}"/>
+              </a:ext>
+            </a:extLst>
+          </p:cNvPr>
+          <p:cNvSpPr>
+            <a:spLocks noGrp="1"/>
+          </p:cNvSpPr>
+          <p:nvPr>
+            <p:ph type="title"/>
+          </p:nvPr>
+        </p:nvSpPr>
+        <p:spPr/>
+        <p:txBody>
+          <a:bodyPr/>
+          <a:lstStyle/>
+          <a:p>
+            <a:r>
+              <a:rPr lang="fi-FI" dirty="0"/>
+              <a:t>Yleiskuva</a:t>
+            </a:r>
+          </a:p>
+        </p:txBody>
+      </p:sp>
+      <p:sp>
+        <p:nvSpPr>
+          <p:cNvPr id="3" name="Sisällön paikkamerkki 2">
+            <a:extLst>
+              <a:ext uri="{FF2B5EF4-FFF2-40B4-BE49-F238E27FC236}">
+                <a16:creationId xmlns:a16="http://schemas.microsoft.com/office/drawing/2014/main" id="{7197954D-7726-450F-B93C-432E5AED71BC}"/>
+              </a:ext>
+            </a:extLst>
+          </p:cNvPr>
+          <p:cNvSpPr>
+            <a:spLocks noGrp="1"/>
+          </p:cNvSpPr>
+          <p:nvPr>
+            <p:ph idx="1"/>
+          </p:nvPr>
+        </p:nvSpPr>
+        <p:spPr/>
+        <p:txBody>
+          <a:bodyPr/>
+          <a:lstStyle/>
+          <a:p>
+            <a:r>
+              <a:rPr lang="fi-FI" dirty="0"/>
+              <a:t>Palvelin vastaanottaa dataa </a:t>
+            </a:r>
+            <a:r>
+              <a:rPr lang="fi-FI" dirty="0" err="1"/>
+              <a:t>Raspberry</a:t>
+            </a:r>
+            <a:r>
+              <a:rPr lang="fi-FI" dirty="0"/>
+              <a:t> </a:t>
+            </a:r>
+            <a:r>
+              <a:rPr lang="fi-FI" dirty="0" err="1"/>
+              <a:t>Pi</a:t>
+            </a:r>
+            <a:r>
+              <a:rPr lang="fi-FI" dirty="0"/>
+              <a:t> laitteelta.</a:t>
+            </a:r>
+          </a:p>
+          <a:p>
+            <a:pPr lvl="1"/>
+            <a:r>
+              <a:rPr lang="fi-FI" dirty="0" err="1"/>
+              <a:t>Raspberry</a:t>
+            </a:r>
+            <a:r>
+              <a:rPr lang="fi-FI" dirty="0"/>
+              <a:t> toimii ”ovipäätteenä”</a:t>
+            </a:r>
+          </a:p>
+          <a:p>
+            <a:r>
+              <a:rPr lang="fi-FI" dirty="0"/>
+              <a:t>MQTT-protokolla tiedon välitykseen</a:t>
+            </a:r>
+          </a:p>
+          <a:p>
+            <a:r>
+              <a:rPr lang="fi-FI" dirty="0"/>
+              <a:t>MySQL tallennukseen ja </a:t>
+            </a:r>
+            <a:r>
+              <a:rPr lang="fi-FI" dirty="0" smtClean="0"/>
+              <a:t>hallinnointiin</a:t>
+            </a:r>
+          </a:p>
+          <a:p>
+            <a:r>
+              <a:rPr lang="fi-FI" dirty="0" err="1" smtClean="0"/>
+              <a:t>Ruuvitagiltä</a:t>
+            </a:r>
+            <a:r>
+              <a:rPr lang="fi-FI" dirty="0" smtClean="0"/>
+              <a:t> </a:t>
+            </a:r>
+            <a:r>
+              <a:rPr lang="fi-FI" dirty="0" err="1" smtClean="0"/>
+              <a:t>BLE:llä</a:t>
+            </a:r>
+            <a:r>
+              <a:rPr lang="fi-FI" dirty="0" smtClean="0"/>
+              <a:t> dataa Raspille</a:t>
+            </a:r>
+            <a:endParaRPr lang="fi-FI" dirty="0"/>
+          </a:p>
+        </p:txBody>
+      </p:sp>
+    </p:spTree>
+    <p:extLst>
+      <p:ext uri="{BB962C8B-B14F-4D97-AF65-F5344CB8AC3E}">
+        <p14:creationId xmlns:p14="http://schemas.microsoft.com/office/powerpoint/2010/main" val="4029366311"/>
+      </p:ext>
+    </p:extLst>
+  </p:cSld>
+  <p:clrMapOvr>
+    <a:masterClrMapping/>
+  </p:clrMapOvr>
+  <p:timing>
+    <p:tnLst>
+      <p:par>
+        <p:cTn id="1" dur="indefinite" restart="never" nodeType="tmRoot"/>
+      </p:par>
+    </p:tnLst>
+  </p:timing>
+</p:sld>
+</file>
+
+<file path=ppt/slides/slide5.xml><?xml version="1.0" encoding="utf-8"?>
+<p:sld xmlns:a="http://schemas.openxmlformats.org/drawingml/2006/main" xmlns:r="http://schemas.openxmlformats.org/officeDocument/2006/relationships" xmlns:p="http://schemas.openxmlformats.org/presentationml/2006/main">
+  <p:cSld>
+    <p:spTree>
+      <p:nvGrpSpPr>
+        <p:cNvPr id="1" name=""/>
+        <p:cNvGrpSpPr/>
+        <p:nvPr/>
+      </p:nvGrpSpPr>
+      <p:grpSpPr>
+        <a:xfrm>
+          <a:off x="0" y="0"/>
+          <a:ext cx="0" cy="0"/>
+          <a:chOff x="0" y="0"/>
+          <a:chExt cx="0" cy="0"/>
+        </a:xfrm>
+      </p:grpSpPr>
+      <p:sp>
+        <p:nvSpPr>
+          <p:cNvPr id="2" name="Otsikko 1">
+            <a:extLst>
+              <a:ext uri="{FF2B5EF4-FFF2-40B4-BE49-F238E27FC236}">
                 <a16:creationId xmlns:a16="http://schemas.microsoft.com/office/drawing/2014/main" id="{845CE24B-32F9-4249-B80A-DF21E4EB47E8}"/>
               </a:ext>
             </a:extLst>
@@ -17452,7 +17827,7 @@
 </p:sld>
 </file>
 
-<file path=ppt/slides/slide5.xml><?xml version="1.0" encoding="utf-8"?>
+<file path=ppt/slides/slide6.xml><?xml version="1.0" encoding="utf-8"?>
 <p:sld xmlns:a="http://schemas.openxmlformats.org/drawingml/2006/main" xmlns:r="http://schemas.openxmlformats.org/officeDocument/2006/relationships" xmlns:p="http://schemas.openxmlformats.org/presentationml/2006/main">
   <p:cSld>
     <p:bg>
@@ -17668,7 +18043,7 @@
 </p:sld>
 </file>
 
-<file path=ppt/slides/slide6.xml><?xml version="1.0" encoding="utf-8"?>
+<file path=ppt/slides/slide7.xml><?xml version="1.0" encoding="utf-8"?>
 <p:sld xmlns:a="http://schemas.openxmlformats.org/drawingml/2006/main" xmlns:r="http://schemas.openxmlformats.org/officeDocument/2006/relationships" xmlns:p="http://schemas.openxmlformats.org/presentationml/2006/main">
   <p:cSld>
     <p:bg>
@@ -17860,7 +18235,7 @@
 </p:sld>
 </file>
 
-<file path=ppt/slides/slide7.xml><?xml version="1.0" encoding="utf-8"?>
+<file path=ppt/slides/slide8.xml><?xml version="1.0" encoding="utf-8"?>
 <p:sld xmlns:a="http://schemas.openxmlformats.org/drawingml/2006/main" xmlns:r="http://schemas.openxmlformats.org/officeDocument/2006/relationships" xmlns:p="http://schemas.openxmlformats.org/presentationml/2006/main">
   <p:cSld>
     <p:spTree>
@@ -17933,11 +18308,7 @@
           <a:p>
             <a:r>
               <a:rPr lang="fi-FI" dirty="0" smtClean="0"/>
-              <a:t>Käyttäjienhallinta virtuaalikoneel</a:t>
-            </a:r>
-            <a:r>
-              <a:rPr lang="fi-FI" dirty="0" smtClean="0"/>
-              <a:t>la</a:t>
+              <a:t>Käyttäjienhallinta virtuaalikoneella</a:t>
             </a:r>
             <a:endParaRPr lang="fi-FI" dirty="0"/>
           </a:p>
@@ -18023,7 +18394,7 @@
 </p:sld>
 </file>
 
-<file path=ppt/slides/slide8.xml><?xml version="1.0" encoding="utf-8"?>
+<file path=ppt/slides/slide9.xml><?xml version="1.0" encoding="utf-8"?>
 <p:sld xmlns:a="http://schemas.openxmlformats.org/drawingml/2006/main" xmlns:r="http://schemas.openxmlformats.org/officeDocument/2006/relationships" xmlns:p="http://schemas.openxmlformats.org/presentationml/2006/main">
   <p:cSld>
     <p:bg>
@@ -18312,285 +18683,6 @@
     <p:extLst>
       <p:ext uri="{BB962C8B-B14F-4D97-AF65-F5344CB8AC3E}">
         <p14:creationId xmlns:p14="http://schemas.microsoft.com/office/powerpoint/2010/main" val="3914758251"/>
-      </p:ext>
-    </p:extLst>
-  </p:cSld>
-  <p:clrMapOvr>
-    <a:masterClrMapping/>
-  </p:clrMapOvr>
-  <p:timing>
-    <p:tnLst>
-      <p:par>
-        <p:cTn id="1" dur="indefinite" restart="never" nodeType="tmRoot"/>
-      </p:par>
-    </p:tnLst>
-  </p:timing>
-</p:sld>
-</file>
-
-<file path=ppt/slides/slide9.xml><?xml version="1.0" encoding="utf-8"?>
-<p:sld xmlns:a="http://schemas.openxmlformats.org/drawingml/2006/main" xmlns:r="http://schemas.openxmlformats.org/officeDocument/2006/relationships" xmlns:p="http://schemas.openxmlformats.org/presentationml/2006/main">
-  <p:cSld>
-    <p:bg>
-      <p:bgPr>
-        <a:solidFill>
-          <a:schemeClr val="bg1"/>
-        </a:solidFill>
-        <a:effectLst/>
-      </p:bgPr>
-    </p:bg>
-    <p:spTree>
-      <p:nvGrpSpPr>
-        <p:cNvPr id="1" name=""/>
-        <p:cNvGrpSpPr/>
-        <p:nvPr/>
-      </p:nvGrpSpPr>
-      <p:grpSpPr>
-        <a:xfrm>
-          <a:off x="0" y="0"/>
-          <a:ext cx="0" cy="0"/>
-          <a:chOff x="0" y="0"/>
-          <a:chExt cx="0" cy="0"/>
-        </a:xfrm>
-      </p:grpSpPr>
-      <p:sp>
-        <p:nvSpPr>
-          <p:cNvPr id="2" name="Otsikko 1">
-            <a:extLst>
-              <a:ext uri="{FF2B5EF4-FFF2-40B4-BE49-F238E27FC236}">
-                <a16:creationId xmlns:a16="http://schemas.microsoft.com/office/drawing/2014/main" id="{842FD86D-A598-400A-B865-90337FB243C1}"/>
-              </a:ext>
-            </a:extLst>
-          </p:cNvPr>
-          <p:cNvSpPr>
-            <a:spLocks noGrp="1"/>
-          </p:cNvSpPr>
-          <p:nvPr>
-            <p:ph type="title"/>
-          </p:nvPr>
-        </p:nvSpPr>
-        <p:spPr>
-          <a:xfrm>
-            <a:off x="-646192" y="1068635"/>
-            <a:ext cx="6542315" cy="1820537"/>
-          </a:xfrm>
-        </p:spPr>
-        <p:txBody>
-          <a:bodyPr>
-            <a:normAutofit/>
-          </a:bodyPr>
-          <a:lstStyle/>
-          <a:p>
-            <a:r>
-              <a:rPr lang="fi-FI" dirty="0" err="1"/>
-              <a:t>Https</a:t>
-            </a:r>
-            <a:endParaRPr lang="fi-FI" dirty="0"/>
-          </a:p>
-        </p:txBody>
-      </p:sp>
-      <p:sp>
-        <p:nvSpPr>
-          <p:cNvPr id="3" name="Sisällön paikkamerkki 2">
-            <a:extLst>
-              <a:ext uri="{FF2B5EF4-FFF2-40B4-BE49-F238E27FC236}">
-                <a16:creationId xmlns:a16="http://schemas.microsoft.com/office/drawing/2014/main" id="{AECB8112-0C58-46D3-BC06-1036ACBC9864}"/>
-              </a:ext>
-            </a:extLst>
-          </p:cNvPr>
-          <p:cNvSpPr>
-            <a:spLocks noGrp="1"/>
-          </p:cNvSpPr>
-          <p:nvPr>
-            <p:ph idx="1"/>
-          </p:nvPr>
-        </p:nvSpPr>
-        <p:spPr>
-          <a:xfrm>
-            <a:off x="804231" y="2280492"/>
-            <a:ext cx="3668617" cy="2588963"/>
-          </a:xfrm>
-          <a:noFill/>
-        </p:spPr>
-        <p:txBody>
-          <a:bodyPr>
-            <a:normAutofit/>
-          </a:bodyPr>
-          <a:lstStyle/>
-          <a:p>
-            <a:pPr>
-              <a:buClr>
-                <a:schemeClr val="bg1"/>
-              </a:buClr>
-            </a:pPr>
-            <a:r>
-              <a:rPr lang="fi-FI" dirty="0">
-                <a:solidFill>
-                  <a:schemeClr val="bg1"/>
-                </a:solidFill>
-              </a:rPr>
-              <a:t>Itsekirjoitettu HTTPS-sertifikaatti </a:t>
-            </a:r>
-            <a:r>
-              <a:rPr lang="fi-FI" dirty="0" err="1">
-                <a:solidFill>
-                  <a:schemeClr val="bg1"/>
-                </a:solidFill>
-              </a:rPr>
-              <a:t>Laravelin</a:t>
-            </a:r>
-            <a:r>
-              <a:rPr lang="fi-FI" dirty="0">
-                <a:solidFill>
-                  <a:schemeClr val="bg1"/>
-                </a:solidFill>
-              </a:rPr>
-              <a:t> hallintaa varten</a:t>
-            </a:r>
-          </a:p>
-          <a:p>
-            <a:pPr>
-              <a:buClr>
-                <a:schemeClr val="bg1"/>
-              </a:buClr>
-            </a:pPr>
-            <a:r>
-              <a:rPr lang="fi-FI" dirty="0">
-                <a:solidFill>
-                  <a:schemeClr val="bg1"/>
-                </a:solidFill>
-              </a:rPr>
-              <a:t>Privaattiavain kansiossa, johon vain </a:t>
-            </a:r>
-            <a:r>
-              <a:rPr lang="fi-FI" dirty="0" err="1">
-                <a:solidFill>
-                  <a:schemeClr val="bg1"/>
-                </a:solidFill>
-              </a:rPr>
-              <a:t>root</a:t>
-            </a:r>
-            <a:r>
-              <a:rPr lang="fi-FI" dirty="0">
-                <a:solidFill>
-                  <a:schemeClr val="bg1"/>
-                </a:solidFill>
-              </a:rPr>
-              <a:t>-käyttäjällä oikeus</a:t>
-            </a:r>
-          </a:p>
-        </p:txBody>
-      </p:sp>
-      <p:pic>
-        <p:nvPicPr>
-          <p:cNvPr id="5" name="Picture 6">
-            <a:extLst>
-              <a:ext uri="{FF2B5EF4-FFF2-40B4-BE49-F238E27FC236}">
-                <a16:creationId xmlns:a16="http://schemas.microsoft.com/office/drawing/2014/main" id="{5DF97399-4C9D-4F78-931F-8B88A5CA3982}"/>
-              </a:ext>
-            </a:extLst>
-          </p:cNvPr>
-          <p:cNvPicPr/>
-          <p:nvPr/>
-        </p:nvPicPr>
-        <p:blipFill>
-          <a:blip r:embed="rId2"/>
-          <a:stretch>
-            <a:fillRect/>
-          </a:stretch>
-        </p:blipFill>
-        <p:spPr>
-          <a:xfrm>
-            <a:off x="4649119" y="1211855"/>
-            <a:ext cx="3316077" cy="4360713"/>
-          </a:xfrm>
-          <a:prstGeom prst="roundRect">
-            <a:avLst>
-              <a:gd name="adj" fmla="val 4380"/>
-            </a:avLst>
-          </a:prstGeom>
-          <a:ln w="38100">
-            <a:gradFill flip="none" rotWithShape="1">
-              <a:gsLst>
-                <a:gs pos="0">
-                  <a:srgbClr val="363D46"/>
-                </a:gs>
-                <a:gs pos="100000">
-                  <a:srgbClr val="363D46">
-                    <a:lumMod val="75000"/>
-                  </a:srgbClr>
-                </a:gs>
-              </a:gsLst>
-              <a:lin ang="5400000" scaled="0"/>
-              <a:tileRect/>
-            </a:gradFill>
-          </a:ln>
-          <a:effectLst>
-            <a:innerShdw blurRad="57150" dist="38100" dir="14460000">
-              <a:srgbClr val="000000">
-                <a:alpha val="70000"/>
-              </a:srgbClr>
-            </a:innerShdw>
-          </a:effectLst>
-        </p:spPr>
-      </p:pic>
-      <p:pic>
-        <p:nvPicPr>
-          <p:cNvPr id="4" name="Picture 7">
-            <a:extLst>
-              <a:ext uri="{FF2B5EF4-FFF2-40B4-BE49-F238E27FC236}">
-                <a16:creationId xmlns:a16="http://schemas.microsoft.com/office/drawing/2014/main" id="{23EE4E9C-6BA0-438D-931F-46F10FFA5A2F}"/>
-              </a:ext>
-            </a:extLst>
-          </p:cNvPr>
-          <p:cNvPicPr/>
-          <p:nvPr/>
-        </p:nvPicPr>
-        <p:blipFill>
-          <a:blip r:embed="rId3"/>
-          <a:stretch>
-            <a:fillRect/>
-          </a:stretch>
-        </p:blipFill>
-        <p:spPr>
-          <a:xfrm>
-            <a:off x="8344131" y="1211854"/>
-            <a:ext cx="3398897" cy="4360713"/>
-          </a:xfrm>
-          <a:prstGeom prst="roundRect">
-            <a:avLst>
-              <a:gd name="adj" fmla="val 4380"/>
-            </a:avLst>
-          </a:prstGeom>
-          <a:ln w="38100">
-            <a:gradFill flip="none" rotWithShape="1">
-              <a:gsLst>
-                <a:gs pos="0">
-                  <a:srgbClr val="363D46"/>
-                </a:gs>
-                <a:gs pos="100000">
-                  <a:srgbClr val="363D46">
-                    <a:lumMod val="75000"/>
-                  </a:srgbClr>
-                </a:gs>
-              </a:gsLst>
-              <a:lin ang="5400000" scaled="0"/>
-              <a:tileRect/>
-            </a:gradFill>
-          </a:ln>
-          <a:effectLst>
-            <a:innerShdw blurRad="57150" dist="38100" dir="14460000">
-              <a:srgbClr val="000000">
-                <a:alpha val="70000"/>
-              </a:srgbClr>
-            </a:innerShdw>
-          </a:effectLst>
-        </p:spPr>
-      </p:pic>
-    </p:spTree>
-    <p:extLst>
-      <p:ext uri="{BB962C8B-B14F-4D97-AF65-F5344CB8AC3E}">
-        <p14:creationId xmlns:p14="http://schemas.microsoft.com/office/powerpoint/2010/main" val="2142855863"/>
       </p:ext>
     </p:extLst>
   </p:cSld>
